--- a/Project2_original.pptx
+++ b/Project2_original.pptx
@@ -9,7 +9,7 @@
     <p:sldId id="261" r:id="rId3"/>
     <p:sldId id="259" r:id="rId4"/>
     <p:sldId id="262" r:id="rId5"/>
-    <p:sldId id="263" r:id="rId6"/>
+    <p:sldId id="264" r:id="rId6"/>
   </p:sldIdLst>
   <p:sldSz cx="12192000" cy="6858000"/>
   <p:notesSz cx="6858000" cy="9144000"/>
@@ -263,7 +263,7 @@
           <a:p>
             <a:fld id="{9D6E2931-68E9-9748-8741-3A7C5739E001}" type="datetimeFigureOut">
               <a:rPr lang="en-US" smtClean="0"/>
-              <a:t>1/21/20</a:t>
+              <a:t>1/22/20</a:t>
             </a:fld>
             <a:endParaRPr lang="en-US"/>
           </a:p>
@@ -461,7 +461,7 @@
           <a:p>
             <a:fld id="{9D6E2931-68E9-9748-8741-3A7C5739E001}" type="datetimeFigureOut">
               <a:rPr lang="en-US" smtClean="0"/>
-              <a:t>1/21/20</a:t>
+              <a:t>1/22/20</a:t>
             </a:fld>
             <a:endParaRPr lang="en-US"/>
           </a:p>
@@ -669,7 +669,7 @@
           <a:p>
             <a:fld id="{9D6E2931-68E9-9748-8741-3A7C5739E001}" type="datetimeFigureOut">
               <a:rPr lang="en-US" smtClean="0"/>
-              <a:t>1/21/20</a:t>
+              <a:t>1/22/20</a:t>
             </a:fld>
             <a:endParaRPr lang="en-US"/>
           </a:p>
@@ -867,7 +867,7 @@
           <a:p>
             <a:fld id="{9D6E2931-68E9-9748-8741-3A7C5739E001}" type="datetimeFigureOut">
               <a:rPr lang="en-US" smtClean="0"/>
-              <a:t>1/21/20</a:t>
+              <a:t>1/22/20</a:t>
             </a:fld>
             <a:endParaRPr lang="en-US"/>
           </a:p>
@@ -1142,7 +1142,7 @@
           <a:p>
             <a:fld id="{9D6E2931-68E9-9748-8741-3A7C5739E001}" type="datetimeFigureOut">
               <a:rPr lang="en-US" smtClean="0"/>
-              <a:t>1/21/20</a:t>
+              <a:t>1/22/20</a:t>
             </a:fld>
             <a:endParaRPr lang="en-US"/>
           </a:p>
@@ -1407,7 +1407,7 @@
           <a:p>
             <a:fld id="{9D6E2931-68E9-9748-8741-3A7C5739E001}" type="datetimeFigureOut">
               <a:rPr lang="en-US" smtClean="0"/>
-              <a:t>1/21/20</a:t>
+              <a:t>1/22/20</a:t>
             </a:fld>
             <a:endParaRPr lang="en-US"/>
           </a:p>
@@ -1819,7 +1819,7 @@
           <a:p>
             <a:fld id="{9D6E2931-68E9-9748-8741-3A7C5739E001}" type="datetimeFigureOut">
               <a:rPr lang="en-US" smtClean="0"/>
-              <a:t>1/21/20</a:t>
+              <a:t>1/22/20</a:t>
             </a:fld>
             <a:endParaRPr lang="en-US"/>
           </a:p>
@@ -1960,7 +1960,7 @@
           <a:p>
             <a:fld id="{9D6E2931-68E9-9748-8741-3A7C5739E001}" type="datetimeFigureOut">
               <a:rPr lang="en-US" smtClean="0"/>
-              <a:t>1/21/20</a:t>
+              <a:t>1/22/20</a:t>
             </a:fld>
             <a:endParaRPr lang="en-US"/>
           </a:p>
@@ -2073,7 +2073,7 @@
           <a:p>
             <a:fld id="{9D6E2931-68E9-9748-8741-3A7C5739E001}" type="datetimeFigureOut">
               <a:rPr lang="en-US" smtClean="0"/>
-              <a:t>1/21/20</a:t>
+              <a:t>1/22/20</a:t>
             </a:fld>
             <a:endParaRPr lang="en-US"/>
           </a:p>
@@ -2384,7 +2384,7 @@
           <a:p>
             <a:fld id="{9D6E2931-68E9-9748-8741-3A7C5739E001}" type="datetimeFigureOut">
               <a:rPr lang="en-US" smtClean="0"/>
-              <a:t>1/21/20</a:t>
+              <a:t>1/22/20</a:t>
             </a:fld>
             <a:endParaRPr lang="en-US"/>
           </a:p>
@@ -2672,7 +2672,7 @@
           <a:p>
             <a:fld id="{9D6E2931-68E9-9748-8741-3A7C5739E001}" type="datetimeFigureOut">
               <a:rPr lang="en-US" smtClean="0"/>
-              <a:t>1/21/20</a:t>
+              <a:t>1/22/20</a:t>
             </a:fld>
             <a:endParaRPr lang="en-US"/>
           </a:p>
@@ -2913,7 +2913,7 @@
           <a:p>
             <a:fld id="{9D6E2931-68E9-9748-8741-3A7C5739E001}" type="datetimeFigureOut">
               <a:rPr lang="en-US" smtClean="0"/>
-              <a:t>1/21/20</a:t>
+              <a:t>1/22/20</a:t>
             </a:fld>
             <a:endParaRPr lang="en-US"/>
           </a:p>
@@ -3422,11 +3422,82 @@
         </p:blipFill>
         <p:spPr>
           <a:xfrm>
-            <a:off x="775504" y="532669"/>
+            <a:off x="631126" y="532669"/>
             <a:ext cx="5544273" cy="5482248"/>
           </a:xfrm>
         </p:spPr>
       </p:pic>
+      <p:sp>
+        <p:nvSpPr>
+          <p:cNvPr id="2" name="TextBox 1">
+            <a:extLst>
+              <a:ext uri="{FF2B5EF4-FFF2-40B4-BE49-F238E27FC236}">
+                <a16:creationId xmlns:a16="http://schemas.microsoft.com/office/drawing/2014/main" id="{7B38F2D2-4968-7D4F-AFB7-D45E46B4930C}"/>
+              </a:ext>
+            </a:extLst>
+          </p:cNvPr>
+          <p:cNvSpPr txBox="1"/>
+          <p:nvPr/>
+        </p:nvSpPr>
+        <p:spPr>
+          <a:xfrm>
+            <a:off x="6673516" y="532669"/>
+            <a:ext cx="5005137" cy="4893647"/>
+          </a:xfrm>
+          <a:prstGeom prst="rect">
+            <a:avLst/>
+          </a:prstGeom>
+          <a:noFill/>
+        </p:spPr>
+        <p:txBody>
+          <a:bodyPr wrap="square" rtlCol="0">
+            <a:spAutoFit/>
+          </a:bodyPr>
+          <a:lstStyle/>
+          <a:p>
+            <a:pPr marL="342900" indent="-342900">
+              <a:buFont typeface="Arial" panose="020B0604020202020204" pitchFamily="34" charset="0"/>
+              <a:buChar char="•"/>
+            </a:pPr>
+            <a:r>
+              <a:rPr lang="en-US" sz="2600" dirty="0"/>
+              <a:t>Have you ever wanted to make a recipe, but weren’t sure how healthy it was for you? </a:t>
+            </a:r>
+          </a:p>
+          <a:p>
+            <a:r>
+              <a:rPr lang="en-US" sz="2600" dirty="0"/>
+              <a:t> </a:t>
+            </a:r>
+          </a:p>
+          <a:p>
+            <a:pPr marL="342900" indent="-342900">
+              <a:buFont typeface="Arial" panose="020B0604020202020204" pitchFamily="34" charset="0"/>
+              <a:buChar char="•"/>
+            </a:pPr>
+            <a:r>
+              <a:rPr lang="en-US" sz="2600" dirty="0"/>
+              <a:t>Maybe you have a favorite food, but have trouble determining just how many servings are good for you. </a:t>
+            </a:r>
+          </a:p>
+          <a:p>
+            <a:r>
+              <a:rPr lang="en-US" sz="2600" dirty="0"/>
+              <a:t> </a:t>
+            </a:r>
+          </a:p>
+          <a:p>
+            <a:pPr marL="342900" indent="-342900">
+              <a:buFont typeface="Arial" panose="020B0604020202020204" pitchFamily="34" charset="0"/>
+              <a:buChar char="•"/>
+            </a:pPr>
+            <a:r>
+              <a:rPr lang="en-US" sz="2600" dirty="0"/>
+              <a:t>Or you really wish you could figure out which ingredient is unhealthy and substitute. </a:t>
+            </a:r>
+          </a:p>
+        </p:txBody>
+      </p:sp>
     </p:spTree>
     <p:extLst>
       <p:ext uri="{BB962C8B-B14F-4D97-AF65-F5344CB8AC3E}">
@@ -3508,100 +3579,12 @@
           </a:p>
         </p:txBody>
       </p:sp>
-      <p:sp>
-        <p:nvSpPr>
-          <p:cNvPr id="4" name="TextBox 3">
-            <a:extLst>
-              <a:ext uri="{FF2B5EF4-FFF2-40B4-BE49-F238E27FC236}">
-                <a16:creationId xmlns:a16="http://schemas.microsoft.com/office/drawing/2014/main" id="{864A1CD2-C20B-DD49-BC73-1C8EBAB0332D}"/>
-              </a:ext>
-            </a:extLst>
-          </p:cNvPr>
-          <p:cNvSpPr txBox="1"/>
-          <p:nvPr/>
-        </p:nvSpPr>
-        <p:spPr>
-          <a:xfrm>
-            <a:off x="393700" y="1797784"/>
-            <a:ext cx="11405635" cy="2677656"/>
-          </a:xfrm>
-          <a:prstGeom prst="rect">
-            <a:avLst/>
-          </a:prstGeom>
-          <a:noFill/>
-        </p:spPr>
-        <p:txBody>
-          <a:bodyPr wrap="square" rtlCol="0">
-            <a:spAutoFit/>
-          </a:bodyPr>
-          <a:lstStyle/>
-          <a:p>
-            <a:pPr marL="457200" indent="-457200">
-              <a:buFont typeface="Arial" panose="020B0604020202020204" pitchFamily="34" charset="0"/>
-              <a:buChar char="•"/>
-            </a:pPr>
-            <a:endParaRPr lang="en-US" sz="2800" dirty="0"/>
-          </a:p>
-          <a:p>
-            <a:pPr marL="342900" indent="-342900">
-              <a:buFont typeface="Arial" panose="020B0604020202020204" pitchFamily="34" charset="0"/>
-              <a:buChar char="•"/>
-            </a:pPr>
-            <a:r>
-              <a:rPr lang="en-US" sz="2000" dirty="0"/>
-              <a:t>API </a:t>
-            </a:r>
-          </a:p>
-          <a:p>
-            <a:pPr marL="342900" indent="-342900">
-              <a:buFont typeface="Arial" panose="020B0604020202020204" pitchFamily="34" charset="0"/>
-              <a:buChar char="•"/>
-            </a:pPr>
-            <a:endParaRPr lang="en-US" sz="2000" dirty="0"/>
-          </a:p>
-          <a:p>
-            <a:pPr marL="342900" indent="-342900">
-              <a:buFont typeface="Arial" panose="020B0604020202020204" pitchFamily="34" charset="0"/>
-              <a:buChar char="•"/>
-            </a:pPr>
-            <a:endParaRPr lang="en-US" sz="2000" dirty="0"/>
-          </a:p>
-          <a:p>
-            <a:pPr marL="342900" indent="-342900">
-              <a:buFont typeface="Arial" panose="020B0604020202020204" pitchFamily="34" charset="0"/>
-              <a:buChar char="•"/>
-            </a:pPr>
-            <a:endParaRPr lang="en-US" sz="2000" dirty="0"/>
-          </a:p>
-          <a:p>
-            <a:pPr marL="342900" indent="-342900">
-              <a:buFont typeface="Arial" panose="020B0604020202020204" pitchFamily="34" charset="0"/>
-              <a:buChar char="•"/>
-            </a:pPr>
-            <a:endParaRPr lang="en-US" sz="2000" dirty="0"/>
-          </a:p>
-          <a:p>
-            <a:pPr lvl="1"/>
-            <a:endParaRPr lang="en-US" sz="2000" dirty="0"/>
-          </a:p>
-          <a:p>
-            <a:pPr marL="342900" indent="-342900">
-              <a:buFont typeface="Arial" panose="020B0604020202020204" pitchFamily="34" charset="0"/>
-              <a:buChar char="•"/>
-            </a:pPr>
-            <a:r>
-              <a:rPr lang="en-US" sz="2000" dirty="0"/>
-              <a:t>MongoDB</a:t>
-            </a:r>
-          </a:p>
-        </p:txBody>
-      </p:sp>
       <p:pic>
         <p:nvPicPr>
-          <p:cNvPr id="8" name="Picture 7">
-            <a:extLst>
-              <a:ext uri="{FF2B5EF4-FFF2-40B4-BE49-F238E27FC236}">
-                <a16:creationId xmlns:a16="http://schemas.microsoft.com/office/drawing/2014/main" id="{6752F640-131F-9545-91CD-726E9A4ED3BC}"/>
+          <p:cNvPr id="5" name="Picture 4">
+            <a:extLst>
+              <a:ext uri="{FF2B5EF4-FFF2-40B4-BE49-F238E27FC236}">
+                <a16:creationId xmlns:a16="http://schemas.microsoft.com/office/drawing/2014/main" id="{44C64170-1D7C-CF4D-A6D9-BB5EF2E04CEC}"/>
               </a:ext>
             </a:extLst>
           </p:cNvPr>
@@ -3618,44 +3601,95 @@
         </p:blipFill>
         <p:spPr>
           <a:xfrm>
-            <a:off x="1409941" y="1954076"/>
-            <a:ext cx="1993015" cy="1798089"/>
+            <a:off x="768256" y="2840322"/>
+            <a:ext cx="4548355" cy="2308324"/>
           </a:xfrm>
           <a:prstGeom prst="rect">
             <a:avLst/>
           </a:prstGeom>
         </p:spPr>
       </p:pic>
-      <p:pic>
-        <p:nvPicPr>
-          <p:cNvPr id="12" name="Picture 11">
-            <a:extLst>
-              <a:ext uri="{FF2B5EF4-FFF2-40B4-BE49-F238E27FC236}">
-                <a16:creationId xmlns:a16="http://schemas.microsoft.com/office/drawing/2014/main" id="{B9ED9F96-1BD7-DB44-8CCB-83EAC7C290DD}"/>
-              </a:ext>
-            </a:extLst>
-          </p:cNvPr>
-          <p:cNvPicPr>
-            <a:picLocks noChangeAspect="1"/>
-          </p:cNvPicPr>
+      <p:sp>
+        <p:nvSpPr>
+          <p:cNvPr id="6" name="TextBox 5">
+            <a:extLst>
+              <a:ext uri="{FF2B5EF4-FFF2-40B4-BE49-F238E27FC236}">
+                <a16:creationId xmlns:a16="http://schemas.microsoft.com/office/drawing/2014/main" id="{0CA34198-9D6E-3049-8D55-A28EE3580FC9}"/>
+              </a:ext>
+            </a:extLst>
+          </p:cNvPr>
+          <p:cNvSpPr txBox="1"/>
           <p:nvPr/>
-        </p:nvPicPr>
-        <p:blipFill>
-          <a:blip r:embed="rId3"/>
-          <a:stretch>
-            <a:fillRect/>
-          </a:stretch>
-        </p:blipFill>
+        </p:nvSpPr>
         <p:spPr>
           <a:xfrm>
-            <a:off x="4419197" y="3518945"/>
-            <a:ext cx="4549177" cy="1203526"/>
+            <a:off x="5438275" y="2154977"/>
+            <a:ext cx="5791200" cy="1504077"/>
           </a:xfrm>
           <a:prstGeom prst="rect">
             <a:avLst/>
           </a:prstGeom>
+          <a:noFill/>
         </p:spPr>
-      </p:pic>
+        <p:txBody>
+          <a:bodyPr wrap="square" rtlCol="0">
+            <a:spAutoFit/>
+          </a:bodyPr>
+          <a:lstStyle/>
+          <a:p>
+            <a:pPr marL="285750" indent="-285750">
+              <a:buFont typeface="Arial" panose="020B0604020202020204" pitchFamily="34" charset="0"/>
+              <a:buChar char="•"/>
+            </a:pPr>
+            <a:r>
+              <a:rPr lang="en-US" sz="2400" dirty="0"/>
+              <a:t>Created a function that calls our API to generate and update a list of recipes, and ingredients. </a:t>
+            </a:r>
+          </a:p>
+          <a:p>
+            <a:endParaRPr lang="en-US" dirty="0"/>
+          </a:p>
+        </p:txBody>
+      </p:sp>
+      <p:sp>
+        <p:nvSpPr>
+          <p:cNvPr id="7" name="TextBox 6">
+            <a:extLst>
+              <a:ext uri="{FF2B5EF4-FFF2-40B4-BE49-F238E27FC236}">
+                <a16:creationId xmlns:a16="http://schemas.microsoft.com/office/drawing/2014/main" id="{F50467B3-7D73-9E44-A1CA-1278852AA1DA}"/>
+              </a:ext>
+            </a:extLst>
+          </p:cNvPr>
+          <p:cNvSpPr txBox="1"/>
+          <p:nvPr/>
+        </p:nvSpPr>
+        <p:spPr>
+          <a:xfrm>
+            <a:off x="5438274" y="3994484"/>
+            <a:ext cx="5791200" cy="1938992"/>
+          </a:xfrm>
+          <a:prstGeom prst="rect">
+            <a:avLst/>
+          </a:prstGeom>
+          <a:noFill/>
+        </p:spPr>
+        <p:txBody>
+          <a:bodyPr wrap="square" rtlCol="0">
+            <a:spAutoFit/>
+          </a:bodyPr>
+          <a:lstStyle/>
+          <a:p>
+            <a:pPr marL="342900" indent="-342900">
+              <a:buFont typeface="Arial" panose="020B0604020202020204" pitchFamily="34" charset="0"/>
+              <a:buChar char="•"/>
+            </a:pPr>
+            <a:r>
+              <a:rPr lang="en-US" sz="2400" dirty="0"/>
+              <a:t>After all the individual recipes and ingredients were updated, we imported glob to merge the individual recipes into a master recipes json, and individual the ingredients into a master ingredients json</a:t>
+            </a:r>
+          </a:p>
+        </p:txBody>
+      </p:sp>
     </p:spTree>
     <p:extLst>
       <p:ext uri="{BB962C8B-B14F-4D97-AF65-F5344CB8AC3E}">
@@ -3889,10 +3923,10 @@
       </p:grpSpPr>
       <p:pic>
         <p:nvPicPr>
-          <p:cNvPr id="13" name="Content Placeholder 12">
-            <a:extLst>
-              <a:ext uri="{FF2B5EF4-FFF2-40B4-BE49-F238E27FC236}">
-                <a16:creationId xmlns:a16="http://schemas.microsoft.com/office/drawing/2014/main" id="{BE3C7334-4B41-0342-955F-961373833FCF}"/>
+          <p:cNvPr id="5" name="Content Placeholder 4">
+            <a:extLst>
+              <a:ext uri="{FF2B5EF4-FFF2-40B4-BE49-F238E27FC236}">
+                <a16:creationId xmlns:a16="http://schemas.microsoft.com/office/drawing/2014/main" id="{77E818C0-18CF-0845-87BC-4A63FE5DC41B}"/>
               </a:ext>
             </a:extLst>
           </p:cNvPr>
@@ -3911,15 +3945,15 @@
         </p:blipFill>
         <p:spPr>
           <a:xfrm>
-            <a:off x="1759351" y="193576"/>
-            <a:ext cx="8853523" cy="6470848"/>
+            <a:off x="1326420" y="1625"/>
+            <a:ext cx="9116992" cy="6856375"/>
           </a:xfrm>
         </p:spPr>
       </p:pic>
     </p:spTree>
     <p:extLst>
       <p:ext uri="{BB962C8B-B14F-4D97-AF65-F5344CB8AC3E}">
-        <p14:creationId xmlns:p14="http://schemas.microsoft.com/office/powerpoint/2010/main" val="1248212441"/>
+        <p14:creationId xmlns:p14="http://schemas.microsoft.com/office/powerpoint/2010/main" val="24196092"/>
       </p:ext>
     </p:extLst>
   </p:cSld>
